--- a/Healthcare_Group.pptx
+++ b/Healthcare_Group.pptx
@@ -217,7 +217,7 @@
           <a:p>
             <a:fld id="{70C76DC8-EBD2-45F8-A083-055653C0A90B}" type="datetimeFigureOut">
               <a:rPr lang="en-US" smtClean="0"/>
-              <a:t>11/28/2021</a:t>
+              <a:t>11/30/2021</a:t>
             </a:fld>
             <a:endParaRPr lang="en-US"/>
           </a:p>
@@ -613,7 +613,7 @@
           <a:p>
             <a:fld id="{2C0CA1DF-3A3A-419A-9B5D-4E8DEB8A7F1A}" type="datetime1">
               <a:rPr lang="en-US" smtClean="0"/>
-              <a:t>11/28/2021</a:t>
+              <a:t>11/30/2021</a:t>
             </a:fld>
             <a:endParaRPr lang="en-US"/>
           </a:p>
@@ -784,7 +784,7 @@
           <a:p>
             <a:fld id="{2EED688C-743A-4AF1-90E9-5CCB8693E61B}" type="datetime1">
               <a:rPr lang="en-US" smtClean="0"/>
-              <a:t>11/28/2021</a:t>
+              <a:t>11/30/2021</a:t>
             </a:fld>
             <a:endParaRPr lang="en-US"/>
           </a:p>
@@ -965,7 +965,7 @@
           <a:p>
             <a:fld id="{425F7144-76FB-4021-83F1-86BD7D3096D2}" type="datetime1">
               <a:rPr lang="en-US" smtClean="0"/>
-              <a:t>11/28/2021</a:t>
+              <a:t>11/30/2021</a:t>
             </a:fld>
             <a:endParaRPr lang="en-US"/>
           </a:p>
@@ -1136,7 +1136,7 @@
           <a:p>
             <a:fld id="{87B17FE6-0EF0-492D-B2BA-43459FF7BAC1}" type="datetime1">
               <a:rPr lang="en-US" smtClean="0"/>
-              <a:t>11/28/2021</a:t>
+              <a:t>11/30/2021</a:t>
             </a:fld>
             <a:endParaRPr lang="en-US"/>
           </a:p>
@@ -1384,7 +1384,7 @@
           <a:p>
             <a:fld id="{9152EC8D-E1AD-41C4-98DF-2B9982309DD8}" type="datetime1">
               <a:rPr lang="en-US" smtClean="0"/>
-              <a:t>11/28/2021</a:t>
+              <a:t>11/30/2021</a:t>
             </a:fld>
             <a:endParaRPr lang="en-US"/>
           </a:p>
@@ -1616,7 +1616,7 @@
           <a:p>
             <a:fld id="{755CE49F-FB73-47CA-8341-500226A34D22}" type="datetime1">
               <a:rPr lang="en-US" smtClean="0"/>
-              <a:t>11/28/2021</a:t>
+              <a:t>11/30/2021</a:t>
             </a:fld>
             <a:endParaRPr lang="en-US"/>
           </a:p>
@@ -1983,7 +1983,7 @@
           <a:p>
             <a:fld id="{DD12BD71-EBAC-47F5-B186-B1058C9E888D}" type="datetime1">
               <a:rPr lang="en-US" smtClean="0"/>
-              <a:t>11/28/2021</a:t>
+              <a:t>11/30/2021</a:t>
             </a:fld>
             <a:endParaRPr lang="en-US"/>
           </a:p>
@@ -2103,7 +2103,7 @@
           <a:p>
             <a:fld id="{1D48C3BC-55CF-4A0E-A21F-FD1E7BF9C6C1}" type="datetime1">
               <a:rPr lang="en-US" smtClean="0"/>
-              <a:t>11/28/2021</a:t>
+              <a:t>11/30/2021</a:t>
             </a:fld>
             <a:endParaRPr lang="en-US"/>
           </a:p>
@@ -2201,7 +2201,7 @@
           <a:p>
             <a:fld id="{BEDF0CE7-07B3-49FE-A6BC-96AA7D0AA2D6}" type="datetime1">
               <a:rPr lang="en-US" smtClean="0"/>
-              <a:t>11/28/2021</a:t>
+              <a:t>11/30/2021</a:t>
             </a:fld>
             <a:endParaRPr lang="en-US"/>
           </a:p>
@@ -2479,7 +2479,7 @@
           <a:p>
             <a:fld id="{6D3CC3A0-EEA0-4182-BE71-44C6C66310F8}" type="datetime1">
               <a:rPr lang="en-US" smtClean="0"/>
-              <a:t>11/28/2021</a:t>
+              <a:t>11/30/2021</a:t>
             </a:fld>
             <a:endParaRPr lang="en-US"/>
           </a:p>
@@ -2737,7 +2737,7 @@
           <a:p>
             <a:fld id="{0946CAFB-7EC1-401B-800D-5FE209391991}" type="datetime1">
               <a:rPr lang="en-US" smtClean="0"/>
-              <a:t>11/28/2021</a:t>
+              <a:t>11/30/2021</a:t>
             </a:fld>
             <a:endParaRPr lang="en-US"/>
           </a:p>
@@ -2951,7 +2951,7 @@
           <a:p>
             <a:fld id="{7CAF24D7-05A5-4F57-B3C3-8821C60BAE79}" type="datetime1">
               <a:rPr lang="en-US" smtClean="0"/>
-              <a:t>11/28/2021</a:t>
+              <a:t>11/30/2021</a:t>
             </a:fld>
             <a:endParaRPr lang="en-US"/>
           </a:p>
@@ -6044,14 +6044,14 @@
             <p:ph idx="1"/>
             <p:extLst>
               <p:ext uri="{D42A27DB-BD31-4B8C-83A1-F6EECF244321}">
-                <p14:modId xmlns:p14="http://schemas.microsoft.com/office/powerpoint/2010/main" val="1128417984"/>
+                <p14:modId xmlns:p14="http://schemas.microsoft.com/office/powerpoint/2010/main" val="914228114"/>
               </p:ext>
             </p:extLst>
           </p:nvPr>
         </p:nvGraphicFramePr>
         <p:xfrm>
           <a:off x="838200" y="1825625"/>
-          <a:ext cx="10515600" cy="3850640"/>
+          <a:ext cx="10515600" cy="4124960"/>
         </p:xfrm>
         <a:graphic>
           <a:graphicData uri="http://schemas.openxmlformats.org/drawingml/2006/table">
@@ -6598,7 +6598,10 @@
                     <a:bodyPr/>
                     <a:lstStyle/>
                     <a:p>
-                      <a:endParaRPr lang="en-US" dirty="0"/>
+                      <a:r>
+                        <a:rPr lang="en-US" dirty="0"/>
+                        <a:t>Mexico</a:t>
+                      </a:r>
                     </a:p>
                   </a:txBody>
                   <a:tcPr/>
@@ -6608,6 +6611,18 @@
                     <a:bodyPr/>
                     <a:lstStyle/>
                     <a:p>
+                      <a:r>
+                        <a:rPr lang="en-US" sz="1800" b="0" i="0" kern="1200" dirty="0">
+                          <a:solidFill>
+                            <a:schemeClr val="dk1"/>
+                          </a:solidFill>
+                          <a:effectLst/>
+                          <a:latin typeface="+mn-lt"/>
+                          <a:ea typeface="+mn-ea"/>
+                          <a:cs typeface="+mn-cs"/>
+                        </a:rPr>
+                        <a:t>IEBS Business School</a:t>
+                      </a:r>
                       <a:endParaRPr lang="en-US" dirty="0"/>
                     </a:p>
                   </a:txBody>
@@ -6676,7 +6691,48 @@
                     <a:bodyPr/>
                     <a:lstStyle/>
                     <a:p>
-                      <a:endParaRPr lang="en-US"/>
+                      <a:pPr marL="0" marR="0" lvl="0" indent="0" algn="l" defTabSz="914400" rtl="0" eaLnBrk="1" fontAlgn="auto" latinLnBrk="0" hangingPunct="1">
+                        <a:lnSpc>
+                          <a:spcPct val="100000"/>
+                        </a:lnSpc>
+                        <a:spcBef>
+                          <a:spcPts val="0"/>
+                        </a:spcBef>
+                        <a:spcAft>
+                          <a:spcPts val="0"/>
+                        </a:spcAft>
+                        <a:buClrTx/>
+                        <a:buSzTx/>
+                        <a:buFontTx/>
+                        <a:buNone/>
+                        <a:tabLst/>
+                        <a:defRPr/>
+                      </a:pPr>
+                      <a:r>
+                        <a:rPr lang="en-US" sz="1800" b="0" i="0" u="none" strike="noStrike" kern="1200">
+                          <a:solidFill>
+                            <a:schemeClr val="dk1"/>
+                          </a:solidFill>
+                          <a:effectLst/>
+                          <a:latin typeface="+mn-lt"/>
+                          <a:ea typeface="+mn-ea"/>
+                          <a:cs typeface="+mn-cs"/>
+                          <a:hlinkClick r:id="rId5"/>
+                        </a:rPr>
+                        <a:t>zainulhaq904@gmail.com</a:t>
+                      </a:r>
+                      <a:endParaRPr lang="en-US" sz="1800" b="0" i="0" kern="1200">
+                        <a:solidFill>
+                          <a:schemeClr val="dk1"/>
+                        </a:solidFill>
+                        <a:effectLst/>
+                        <a:latin typeface="+mn-lt"/>
+                        <a:ea typeface="+mn-ea"/>
+                        <a:cs typeface="+mn-cs"/>
+                      </a:endParaRPr>
+                    </a:p>
+                    <a:p>
+                      <a:endParaRPr lang="en-US" dirty="0"/>
                     </a:p>
                   </a:txBody>
                   <a:tcPr/>
